--- a/WQFS.pptx
+++ b/WQFS.pptx
@@ -206,7 +206,7 @@
           <a:p>
             <a:fld id="{56AE193D-720A-4563-AA71-141E9FDCE958}" type="datetimeFigureOut">
               <a:rPr lang="ko-KR" altLang="en-US" smtClean="0"/>
-              <a:t>2025-09-09</a:t>
+              <a:t>2025-09-10</a:t>
             </a:fld>
             <a:endParaRPr lang="ko-KR" altLang="en-US"/>
           </a:p>
@@ -704,7 +704,7 @@
           <a:p>
             <a:fld id="{6C44D894-CCE4-4219-86B7-733D27BABF13}" type="datetimeFigureOut">
               <a:rPr lang="ko-KR" altLang="en-US" smtClean="0"/>
-              <a:t>2025-09-09</a:t>
+              <a:t>2025-09-10</a:t>
             </a:fld>
             <a:endParaRPr lang="ko-KR" altLang="en-US"/>
           </a:p>
@@ -902,7 +902,7 @@
           <a:p>
             <a:fld id="{6C44D894-CCE4-4219-86B7-733D27BABF13}" type="datetimeFigureOut">
               <a:rPr lang="ko-KR" altLang="en-US" smtClean="0"/>
-              <a:t>2025-09-09</a:t>
+              <a:t>2025-09-10</a:t>
             </a:fld>
             <a:endParaRPr lang="ko-KR" altLang="en-US"/>
           </a:p>
@@ -1110,7 +1110,7 @@
           <a:p>
             <a:fld id="{6C44D894-CCE4-4219-86B7-733D27BABF13}" type="datetimeFigureOut">
               <a:rPr lang="ko-KR" altLang="en-US" smtClean="0"/>
-              <a:t>2025-09-09</a:t>
+              <a:t>2025-09-10</a:t>
             </a:fld>
             <a:endParaRPr lang="ko-KR" altLang="en-US"/>
           </a:p>
@@ -1790,7 +1790,7 @@
           <a:p>
             <a:fld id="{6C44D894-CCE4-4219-86B7-733D27BABF13}" type="datetimeFigureOut">
               <a:rPr lang="ko-KR" altLang="en-US" smtClean="0"/>
-              <a:t>2025-09-09</a:t>
+              <a:t>2025-09-10</a:t>
             </a:fld>
             <a:endParaRPr lang="ko-KR" altLang="en-US"/>
           </a:p>
@@ -2055,7 +2055,7 @@
           <a:p>
             <a:fld id="{6C44D894-CCE4-4219-86B7-733D27BABF13}" type="datetimeFigureOut">
               <a:rPr lang="ko-KR" altLang="en-US" smtClean="0"/>
-              <a:t>2025-09-09</a:t>
+              <a:t>2025-09-10</a:t>
             </a:fld>
             <a:endParaRPr lang="ko-KR" altLang="en-US"/>
           </a:p>
@@ -2467,7 +2467,7 @@
           <a:p>
             <a:fld id="{6C44D894-CCE4-4219-86B7-733D27BABF13}" type="datetimeFigureOut">
               <a:rPr lang="ko-KR" altLang="en-US" smtClean="0"/>
-              <a:t>2025-09-09</a:t>
+              <a:t>2025-09-10</a:t>
             </a:fld>
             <a:endParaRPr lang="ko-KR" altLang="en-US"/>
           </a:p>
@@ -2608,7 +2608,7 @@
           <a:p>
             <a:fld id="{6C44D894-CCE4-4219-86B7-733D27BABF13}" type="datetimeFigureOut">
               <a:rPr lang="ko-KR" altLang="en-US" smtClean="0"/>
-              <a:t>2025-09-09</a:t>
+              <a:t>2025-09-10</a:t>
             </a:fld>
             <a:endParaRPr lang="ko-KR" altLang="en-US"/>
           </a:p>
@@ -2721,7 +2721,7 @@
           <a:p>
             <a:fld id="{6C44D894-CCE4-4219-86B7-733D27BABF13}" type="datetimeFigureOut">
               <a:rPr lang="ko-KR" altLang="en-US" smtClean="0"/>
-              <a:t>2025-09-09</a:t>
+              <a:t>2025-09-10</a:t>
             </a:fld>
             <a:endParaRPr lang="ko-KR" altLang="en-US"/>
           </a:p>
@@ -3032,7 +3032,7 @@
           <a:p>
             <a:fld id="{6C44D894-CCE4-4219-86B7-733D27BABF13}" type="datetimeFigureOut">
               <a:rPr lang="ko-KR" altLang="en-US" smtClean="0"/>
-              <a:t>2025-09-09</a:t>
+              <a:t>2025-09-10</a:t>
             </a:fld>
             <a:endParaRPr lang="ko-KR" altLang="en-US"/>
           </a:p>
@@ -3320,7 +3320,7 @@
           <a:p>
             <a:fld id="{6C44D894-CCE4-4219-86B7-733D27BABF13}" type="datetimeFigureOut">
               <a:rPr lang="ko-KR" altLang="en-US" smtClean="0"/>
-              <a:t>2025-09-09</a:t>
+              <a:t>2025-09-10</a:t>
             </a:fld>
             <a:endParaRPr lang="ko-KR" altLang="en-US"/>
           </a:p>
@@ -3561,7 +3561,7 @@
           <a:p>
             <a:fld id="{6C44D894-CCE4-4219-86B7-733D27BABF13}" type="datetimeFigureOut">
               <a:rPr lang="ko-KR" altLang="en-US" smtClean="0"/>
-              <a:t>2025-09-09</a:t>
+              <a:t>2025-09-10</a:t>
             </a:fld>
             <a:endParaRPr lang="ko-KR" altLang="en-US"/>
           </a:p>
@@ -4045,21 +4045,7 @@
                 <a:latin typeface="HY견고딕" panose="02030600000101010101" pitchFamily="18" charset="-127"/>
                 <a:ea typeface="HY견고딕" panose="02030600000101010101" pitchFamily="18" charset="-127"/>
               </a:rPr>
-              <a:t>WQFS (</a:t>
-            </a:r>
-            <a:r>
-              <a:rPr lang="ko-KR" altLang="en-US" dirty="0">
-                <a:latin typeface="HY견고딕" panose="02030600000101010101" pitchFamily="18" charset="-127"/>
-                <a:ea typeface="HY견고딕" panose="02030600000101010101" pitchFamily="18" charset="-127"/>
-              </a:rPr>
-              <a:t>가제</a:t>
-            </a:r>
-            <a:r>
-              <a:rPr lang="en-US" altLang="ko-KR" dirty="0">
-                <a:latin typeface="HY견고딕" panose="02030600000101010101" pitchFamily="18" charset="-127"/>
-                <a:ea typeface="HY견고딕" panose="02030600000101010101" pitchFamily="18" charset="-127"/>
-              </a:rPr>
-              <a:t>)</a:t>
+              <a:t>WQFS</a:t>
             </a:r>
             <a:endParaRPr lang="ko-KR" altLang="en-US" dirty="0">
               <a:latin typeface="HY견고딕" panose="02030600000101010101" pitchFamily="18" charset="-127"/>
@@ -4334,7 +4320,7 @@
         <p:spPr>
           <a:xfrm>
             <a:off x="1524000" y="3575806"/>
-            <a:ext cx="9144000" cy="1042334"/>
+            <a:ext cx="9144000" cy="1218502"/>
           </a:xfrm>
           <a:prstGeom prst="rect">
             <a:avLst/>
@@ -4543,6 +4529,10 @@
               </a:rPr>
               <a:t>융합 시스템</a:t>
             </a:r>
+            <a:endParaRPr lang="en-US" altLang="ko-KR" sz="2200" dirty="0">
+              <a:latin typeface="HY견고딕" panose="02030600000101010101" pitchFamily="18" charset="-127"/>
+              <a:ea typeface="HY견고딕" panose="02030600000101010101" pitchFamily="18" charset="-127"/>
+            </a:endParaRPr>
           </a:p>
         </p:txBody>
       </p:sp>
@@ -5347,6 +5337,78 @@
           </a:p>
         </p:txBody>
       </p:sp>
+      <p:pic>
+        <p:nvPicPr>
+          <p:cNvPr id="6" name="그림 5" descr="야외, 하늘, 산, 황야이(가) 표시된 사진&#10;&#10;AI 생성 콘텐츠는 정확하지 않을 수 있습니다.">
+            <a:extLst>
+              <a:ext uri="{FF2B5EF4-FFF2-40B4-BE49-F238E27FC236}">
+                <a16:creationId xmlns:a16="http://schemas.microsoft.com/office/drawing/2014/main" id="{27DEDE41-447F-4CC8-29DA-A54CFD32A72A}"/>
+              </a:ext>
+            </a:extLst>
+          </p:cNvPr>
+          <p:cNvPicPr>
+            <a:picLocks noChangeAspect="1"/>
+          </p:cNvPicPr>
+          <p:nvPr/>
+        </p:nvPicPr>
+        <p:blipFill>
+          <a:blip r:embed="rId2">
+            <a:extLst>
+              <a:ext uri="{28A0092B-C50C-407E-A947-70E740481C1C}">
+                <a14:useLocalDpi xmlns:a14="http://schemas.microsoft.com/office/drawing/2010/main" val="0"/>
+              </a:ext>
+            </a:extLst>
+          </a:blip>
+          <a:stretch>
+            <a:fillRect/>
+          </a:stretch>
+        </p:blipFill>
+        <p:spPr>
+          <a:xfrm>
+            <a:off x="1389211" y="3882605"/>
+            <a:ext cx="3999422" cy="2239676"/>
+          </a:xfrm>
+          <a:prstGeom prst="rect">
+            <a:avLst/>
+          </a:prstGeom>
+        </p:spPr>
+      </p:pic>
+      <p:pic>
+        <p:nvPicPr>
+          <p:cNvPr id="8" name="그림 7" descr="스크린샷, 패턴, 다채로움, 픽셀이(가) 표시된 사진&#10;&#10;AI 생성 콘텐츠는 정확하지 않을 수 있습니다.">
+            <a:extLst>
+              <a:ext uri="{FF2B5EF4-FFF2-40B4-BE49-F238E27FC236}">
+                <a16:creationId xmlns:a16="http://schemas.microsoft.com/office/drawing/2014/main" id="{9609DCD7-991F-52C9-640A-9D4670C73691}"/>
+              </a:ext>
+            </a:extLst>
+          </p:cNvPr>
+          <p:cNvPicPr>
+            <a:picLocks noChangeAspect="1"/>
+          </p:cNvPicPr>
+          <p:nvPr/>
+        </p:nvPicPr>
+        <p:blipFill>
+          <a:blip r:embed="rId3">
+            <a:extLst>
+              <a:ext uri="{28A0092B-C50C-407E-A947-70E740481C1C}">
+                <a14:useLocalDpi xmlns:a14="http://schemas.microsoft.com/office/drawing/2010/main" val="0"/>
+              </a:ext>
+            </a:extLst>
+          </a:blip>
+          <a:stretch>
+            <a:fillRect/>
+          </a:stretch>
+        </p:blipFill>
+        <p:spPr>
+          <a:xfrm>
+            <a:off x="7556742" y="3882605"/>
+            <a:ext cx="3192728" cy="2239675"/>
+          </a:xfrm>
+          <a:prstGeom prst="rect">
+            <a:avLst/>
+          </a:prstGeom>
+        </p:spPr>
+      </p:pic>
     </p:spTree>
     <p:extLst>
       <p:ext uri="{BB962C8B-B14F-4D97-AF65-F5344CB8AC3E}">
@@ -5474,6 +5536,43 @@
           </a:p>
         </p:txBody>
       </p:sp>
+      <p:pic>
+        <p:nvPicPr>
+          <p:cNvPr id="8" name="그림 7" descr="하늘, 야외, 구름, 지상이(가) 표시된 사진&#10;&#10;AI 생성 콘텐츠는 정확하지 않을 수 있습니다.">
+            <a:extLst>
+              <a:ext uri="{FF2B5EF4-FFF2-40B4-BE49-F238E27FC236}">
+                <a16:creationId xmlns:a16="http://schemas.microsoft.com/office/drawing/2014/main" id="{EBCA4EB2-595E-1F6E-15C6-63F3AF320220}"/>
+              </a:ext>
+            </a:extLst>
+          </p:cNvPr>
+          <p:cNvPicPr>
+            <a:picLocks noChangeAspect="1"/>
+          </p:cNvPicPr>
+          <p:nvPr/>
+        </p:nvPicPr>
+        <p:blipFill>
+          <a:blip r:embed="rId2">
+            <a:extLst>
+              <a:ext uri="{28A0092B-C50C-407E-A947-70E740481C1C}">
+                <a14:useLocalDpi xmlns:a14="http://schemas.microsoft.com/office/drawing/2010/main" val="0"/>
+              </a:ext>
+            </a:extLst>
+          </a:blip>
+          <a:srcRect t="11951" b="18454"/>
+          <a:stretch>
+            <a:fillRect/>
+          </a:stretch>
+        </p:blipFill>
+        <p:spPr>
+          <a:xfrm>
+            <a:off x="3784120" y="2767526"/>
+            <a:ext cx="4623760" cy="3217884"/>
+          </a:xfrm>
+          <a:prstGeom prst="rect">
+            <a:avLst/>
+          </a:prstGeom>
+        </p:spPr>
+      </p:pic>
     </p:spTree>
     <p:extLst>
       <p:ext uri="{BB962C8B-B14F-4D97-AF65-F5344CB8AC3E}">

--- a/WQFS.pptx
+++ b/WQFS.pptx
@@ -5208,16 +5208,16 @@
           <a:lstStyle/>
           <a:p>
             <a:r>
-              <a:rPr lang="ko-KR" altLang="en-US" dirty="0"/>
-              <a:t>더 </a:t>
-            </a:r>
-            <a:r>
-              <a:rPr lang="ko-KR" altLang="en-US" dirty="0" err="1"/>
-              <a:t>위처</a:t>
+              <a:rPr lang="ko-KR" altLang="en-US"/>
+              <a:t>더 위쳐</a:t>
+            </a:r>
+            <a:r>
+              <a:rPr lang="en-US" altLang="ko-KR"/>
+              <a:t>3</a:t>
             </a:r>
             <a:r>
               <a:rPr lang="en-US" altLang="ko-KR" dirty="0"/>
-              <a:t>3: </a:t>
+              <a:t>: </a:t>
             </a:r>
             <a:r>
               <a:rPr lang="ko-KR" altLang="en-US" dirty="0"/>

--- a/WQFS.pptx
+++ b/WQFS.pptx
@@ -5842,13 +5842,25 @@
               <a:rPr lang="ko-KR" altLang="en-US" dirty="0"/>
               <a:t>결과물</a:t>
             </a:r>
-            <a:endParaRPr lang="en-US" altLang="ko-KR"/>
+            <a:endParaRPr lang="en-US" altLang="ko-KR" dirty="0"/>
           </a:p>
           <a:p>
             <a:pPr lvl="1"/>
             <a:r>
-              <a:rPr lang="ko-KR" altLang="en-US"/>
+              <a:rPr lang="ko-KR" altLang="en-US" dirty="0"/>
               <a:t>라이브러리</a:t>
+            </a:r>
+            <a:endParaRPr lang="en-US" altLang="ko-KR" dirty="0"/>
+          </a:p>
+          <a:p>
+            <a:pPr lvl="1"/>
+            <a:r>
+              <a:rPr lang="ko-KR" altLang="en-US" dirty="0" err="1"/>
+              <a:t>태크</a:t>
+            </a:r>
+            <a:r>
+              <a:rPr lang="ko-KR" altLang="en-US" dirty="0"/>
+              <a:t> 데모 게임</a:t>
             </a:r>
             <a:endParaRPr lang="en-US" altLang="ko-KR" dirty="0"/>
           </a:p>

--- a/WQFS.pptx
+++ b/WQFS.pptx
@@ -4077,17 +4077,112 @@
           </a:xfrm>
         </p:spPr>
         <p:txBody>
-          <a:bodyPr anchor="ctr"/>
-          <a:lstStyle/>
-          <a:p>
-            <a:r>
-              <a:rPr lang="en-US" altLang="ko-KR" dirty="0">
+          <a:bodyPr anchor="ctr">
+            <a:noAutofit/>
+          </a:bodyPr>
+          <a:lstStyle/>
+          <a:p>
+            <a:r>
+              <a:rPr lang="en-US" altLang="ko-KR" sz="2800" dirty="0">
                 <a:latin typeface="HY견고딕" panose="02030600000101010101" pitchFamily="18" charset="-127"/>
                 <a:ea typeface="HY견고딕" panose="02030600000101010101" pitchFamily="18" charset="-127"/>
               </a:rPr>
-              <a:t>(World event &amp; Quest Fusion System)</a:t>
-            </a:r>
-            <a:endParaRPr lang="ko-KR" altLang="en-US" dirty="0">
+              <a:t>(W</a:t>
+            </a:r>
+            <a:r>
+              <a:rPr lang="en-US" altLang="ko-KR" sz="2800" dirty="0">
+                <a:solidFill>
+                  <a:schemeClr val="bg2">
+                    <a:lumMod val="50000"/>
+                  </a:schemeClr>
+                </a:solidFill>
+                <a:latin typeface="HY견고딕" panose="02030600000101010101" pitchFamily="18" charset="-127"/>
+                <a:ea typeface="HY견고딕" panose="02030600000101010101" pitchFamily="18" charset="-127"/>
+              </a:rPr>
+              <a:t>orld event</a:t>
+            </a:r>
+            <a:r>
+              <a:rPr lang="en-US" altLang="ko-KR" sz="2800" dirty="0">
+                <a:latin typeface="HY견고딕" panose="02030600000101010101" pitchFamily="18" charset="-127"/>
+                <a:ea typeface="HY견고딕" panose="02030600000101010101" pitchFamily="18" charset="-127"/>
+              </a:rPr>
+              <a:t> </a:t>
+            </a:r>
+            <a:r>
+              <a:rPr lang="en-US" altLang="ko-KR" sz="2800" dirty="0">
+                <a:solidFill>
+                  <a:schemeClr val="bg2">
+                    <a:lumMod val="50000"/>
+                  </a:schemeClr>
+                </a:solidFill>
+                <a:latin typeface="HY견고딕" panose="02030600000101010101" pitchFamily="18" charset="-127"/>
+                <a:ea typeface="HY견고딕" panose="02030600000101010101" pitchFamily="18" charset="-127"/>
+              </a:rPr>
+              <a:t>&amp;</a:t>
+            </a:r>
+            <a:r>
+              <a:rPr lang="en-US" altLang="ko-KR" sz="2800" dirty="0">
+                <a:latin typeface="HY견고딕" panose="02030600000101010101" pitchFamily="18" charset="-127"/>
+                <a:ea typeface="HY견고딕" panose="02030600000101010101" pitchFamily="18" charset="-127"/>
+              </a:rPr>
+              <a:t> Q</a:t>
+            </a:r>
+            <a:r>
+              <a:rPr lang="en-US" altLang="ko-KR" sz="2800" dirty="0">
+                <a:solidFill>
+                  <a:schemeClr val="bg2">
+                    <a:lumMod val="50000"/>
+                  </a:schemeClr>
+                </a:solidFill>
+                <a:latin typeface="HY견고딕" panose="02030600000101010101" pitchFamily="18" charset="-127"/>
+                <a:ea typeface="HY견고딕" panose="02030600000101010101" pitchFamily="18" charset="-127"/>
+              </a:rPr>
+              <a:t>uest </a:t>
+            </a:r>
+            <a:r>
+              <a:rPr lang="en-US" altLang="ko-KR" sz="2800" dirty="0">
+                <a:latin typeface="HY견고딕" panose="02030600000101010101" pitchFamily="18" charset="-127"/>
+                <a:ea typeface="HY견고딕" panose="02030600000101010101" pitchFamily="18" charset="-127"/>
+              </a:rPr>
+              <a:t>F</a:t>
+            </a:r>
+            <a:r>
+              <a:rPr lang="en-US" altLang="ko-KR" sz="2800" dirty="0">
+                <a:solidFill>
+                  <a:schemeClr val="bg2">
+                    <a:lumMod val="50000"/>
+                  </a:schemeClr>
+                </a:solidFill>
+                <a:latin typeface="HY견고딕" panose="02030600000101010101" pitchFamily="18" charset="-127"/>
+                <a:ea typeface="HY견고딕" panose="02030600000101010101" pitchFamily="18" charset="-127"/>
+              </a:rPr>
+              <a:t>usion </a:t>
+            </a:r>
+            <a:r>
+              <a:rPr lang="en-US" altLang="ko-KR" sz="2800" dirty="0">
+                <a:latin typeface="HY견고딕" panose="02030600000101010101" pitchFamily="18" charset="-127"/>
+                <a:ea typeface="HY견고딕" panose="02030600000101010101" pitchFamily="18" charset="-127"/>
+              </a:rPr>
+              <a:t>S</a:t>
+            </a:r>
+            <a:r>
+              <a:rPr lang="en-US" altLang="ko-KR" sz="2800" dirty="0">
+                <a:solidFill>
+                  <a:schemeClr val="bg2">
+                    <a:lumMod val="50000"/>
+                  </a:schemeClr>
+                </a:solidFill>
+                <a:latin typeface="HY견고딕" panose="02030600000101010101" pitchFamily="18" charset="-127"/>
+                <a:ea typeface="HY견고딕" panose="02030600000101010101" pitchFamily="18" charset="-127"/>
+              </a:rPr>
+              <a:t>ystem)</a:t>
+            </a:r>
+            <a:endParaRPr lang="ko-KR" altLang="en-US" sz="2800" dirty="0">
+              <a:solidFill>
+                <a:schemeClr val="bg2">
+                  <a:lumMod val="50000"/>
+                </a:schemeClr>
+              </a:solidFill>
               <a:latin typeface="HY견고딕" panose="02030600000101010101" pitchFamily="18" charset="-127"/>
               <a:ea typeface="HY견고딕" panose="02030600000101010101" pitchFamily="18" charset="-127"/>
             </a:endParaRPr>
